--- a/docs/Picture Edit.pptx
+++ b/docs/Picture Edit.pptx
@@ -7,6 +7,9 @@
   <p:sldIdLst>
     <p:sldId id="256" r:id="rId2"/>
     <p:sldId id="257" r:id="rId3"/>
+    <p:sldId id="258" r:id="rId4"/>
+    <p:sldId id="259" r:id="rId5"/>
+    <p:sldId id="260" r:id="rId6"/>
   </p:sldIdLst>
   <p:sldSz cx="12192000" cy="6858000"/>
   <p:notesSz cx="6858000" cy="9144000"/>
@@ -105,6 +108,11 @@
       </a:defRPr>
     </a:lvl9pPr>
   </p:defaultTextStyle>
+  <p:extLst>
+    <p:ext uri="{EFAFB233-063F-42B5-8137-9DF3F51BA10A}">
+      <p15:sldGuideLst xmlns:p15="http://schemas.microsoft.com/office/powerpoint/2012/main"/>
+    </p:ext>
+  </p:extLst>
 </p:presentation>
 </file>
 
@@ -267,7 +275,7 @@
           <a:p>
             <a:fld id="{E2EFA659-EF0F-4374-BF2C-DB880DC668B8}" type="datetimeFigureOut">
               <a:rPr lang="en-US" smtClean="0"/>
-              <a:t>2/21/2019</a:t>
+              <a:t>2/22/2019</a:t>
             </a:fld>
             <a:endParaRPr lang="en-US"/>
           </a:p>
@@ -465,7 +473,7 @@
           <a:p>
             <a:fld id="{E2EFA659-EF0F-4374-BF2C-DB880DC668B8}" type="datetimeFigureOut">
               <a:rPr lang="en-US" smtClean="0"/>
-              <a:t>2/21/2019</a:t>
+              <a:t>2/22/2019</a:t>
             </a:fld>
             <a:endParaRPr lang="en-US"/>
           </a:p>
@@ -673,7 +681,7 @@
           <a:p>
             <a:fld id="{E2EFA659-EF0F-4374-BF2C-DB880DC668B8}" type="datetimeFigureOut">
               <a:rPr lang="en-US" smtClean="0"/>
-              <a:t>2/21/2019</a:t>
+              <a:t>2/22/2019</a:t>
             </a:fld>
             <a:endParaRPr lang="en-US"/>
           </a:p>
@@ -871,7 +879,7 @@
           <a:p>
             <a:fld id="{E2EFA659-EF0F-4374-BF2C-DB880DC668B8}" type="datetimeFigureOut">
               <a:rPr lang="en-US" smtClean="0"/>
-              <a:t>2/21/2019</a:t>
+              <a:t>2/22/2019</a:t>
             </a:fld>
             <a:endParaRPr lang="en-US"/>
           </a:p>
@@ -1146,7 +1154,7 @@
           <a:p>
             <a:fld id="{E2EFA659-EF0F-4374-BF2C-DB880DC668B8}" type="datetimeFigureOut">
               <a:rPr lang="en-US" smtClean="0"/>
-              <a:t>2/21/2019</a:t>
+              <a:t>2/22/2019</a:t>
             </a:fld>
             <a:endParaRPr lang="en-US"/>
           </a:p>
@@ -1411,7 +1419,7 @@
           <a:p>
             <a:fld id="{E2EFA659-EF0F-4374-BF2C-DB880DC668B8}" type="datetimeFigureOut">
               <a:rPr lang="en-US" smtClean="0"/>
-              <a:t>2/21/2019</a:t>
+              <a:t>2/22/2019</a:t>
             </a:fld>
             <a:endParaRPr lang="en-US"/>
           </a:p>
@@ -1823,7 +1831,7 @@
           <a:p>
             <a:fld id="{E2EFA659-EF0F-4374-BF2C-DB880DC668B8}" type="datetimeFigureOut">
               <a:rPr lang="en-US" smtClean="0"/>
-              <a:t>2/21/2019</a:t>
+              <a:t>2/22/2019</a:t>
             </a:fld>
             <a:endParaRPr lang="en-US"/>
           </a:p>
@@ -1964,7 +1972,7 @@
           <a:p>
             <a:fld id="{E2EFA659-EF0F-4374-BF2C-DB880DC668B8}" type="datetimeFigureOut">
               <a:rPr lang="en-US" smtClean="0"/>
-              <a:t>2/21/2019</a:t>
+              <a:t>2/22/2019</a:t>
             </a:fld>
             <a:endParaRPr lang="en-US"/>
           </a:p>
@@ -2077,7 +2085,7 @@
           <a:p>
             <a:fld id="{E2EFA659-EF0F-4374-BF2C-DB880DC668B8}" type="datetimeFigureOut">
               <a:rPr lang="en-US" smtClean="0"/>
-              <a:t>2/21/2019</a:t>
+              <a:t>2/22/2019</a:t>
             </a:fld>
             <a:endParaRPr lang="en-US"/>
           </a:p>
@@ -2388,7 +2396,7 @@
           <a:p>
             <a:fld id="{E2EFA659-EF0F-4374-BF2C-DB880DC668B8}" type="datetimeFigureOut">
               <a:rPr lang="en-US" smtClean="0"/>
-              <a:t>2/21/2019</a:t>
+              <a:t>2/22/2019</a:t>
             </a:fld>
             <a:endParaRPr lang="en-US"/>
           </a:p>
@@ -2676,7 +2684,7 @@
           <a:p>
             <a:fld id="{E2EFA659-EF0F-4374-BF2C-DB880DC668B8}" type="datetimeFigureOut">
               <a:rPr lang="en-US" smtClean="0"/>
-              <a:t>2/21/2019</a:t>
+              <a:t>2/22/2019</a:t>
             </a:fld>
             <a:endParaRPr lang="en-US"/>
           </a:p>
@@ -2917,7 +2925,7 @@
           <a:p>
             <a:fld id="{E2EFA659-EF0F-4374-BF2C-DB880DC668B8}" type="datetimeFigureOut">
               <a:rPr lang="en-US" smtClean="0"/>
-              <a:t>2/21/2019</a:t>
+              <a:t>2/22/2019</a:t>
             </a:fld>
             <a:endParaRPr lang="en-US"/>
           </a:p>
@@ -3568,10 +3576,610 @@
           </a:p>
         </p:txBody>
       </p:sp>
+      <p:sp>
+        <p:nvSpPr>
+          <p:cNvPr id="5" name="Callout: Line 4">
+            <a:extLst>
+              <a:ext uri="{FF2B5EF4-FFF2-40B4-BE49-F238E27FC236}">
+                <a16:creationId xmlns:a16="http://schemas.microsoft.com/office/drawing/2014/main" id="{EA08E7DC-4088-4C87-85AA-D4FD82371A31}"/>
+              </a:ext>
+            </a:extLst>
+          </p:cNvPr>
+          <p:cNvSpPr/>
+          <p:nvPr/>
+        </p:nvSpPr>
+        <p:spPr>
+          <a:xfrm>
+            <a:off x="5773213" y="4826770"/>
+            <a:ext cx="1245093" cy="719092"/>
+          </a:xfrm>
+          <a:prstGeom prst="borderCallout1">
+            <a:avLst>
+              <a:gd name="adj1" fmla="val 18750"/>
+              <a:gd name="adj2" fmla="val -8333"/>
+              <a:gd name="adj3" fmla="val -113735"/>
+              <a:gd name="adj4" fmla="val -44044"/>
+            </a:avLst>
+          </a:prstGeom>
+          <a:solidFill>
+            <a:schemeClr val="accent1"/>
+          </a:solidFill>
+        </p:spPr>
+        <p:style>
+          <a:lnRef idx="2">
+            <a:schemeClr val="accent1">
+              <a:shade val="50000"/>
+            </a:schemeClr>
+          </a:lnRef>
+          <a:fillRef idx="1">
+            <a:schemeClr val="accent1"/>
+          </a:fillRef>
+          <a:effectRef idx="0">
+            <a:schemeClr val="accent1"/>
+          </a:effectRef>
+          <a:fontRef idx="minor">
+            <a:schemeClr val="lt1"/>
+          </a:fontRef>
+        </p:style>
+        <p:txBody>
+          <a:bodyPr rtlCol="0" anchor="ctr"/>
+          <a:lstStyle/>
+          <a:p>
+            <a:pPr algn="ctr"/>
+            <a:r>
+              <a:rPr lang="en-US" dirty="0"/>
+              <a:t>Label </a:t>
+            </a:r>
+          </a:p>
+        </p:txBody>
+      </p:sp>
+      <p:sp>
+        <p:nvSpPr>
+          <p:cNvPr id="7" name="Callout: Line 6">
+            <a:extLst>
+              <a:ext uri="{FF2B5EF4-FFF2-40B4-BE49-F238E27FC236}">
+                <a16:creationId xmlns:a16="http://schemas.microsoft.com/office/drawing/2014/main" id="{64061688-3962-4FED-AB19-AE3781DA403D}"/>
+              </a:ext>
+            </a:extLst>
+          </p:cNvPr>
+          <p:cNvSpPr/>
+          <p:nvPr/>
+        </p:nvSpPr>
+        <p:spPr>
+          <a:xfrm>
+            <a:off x="3163964" y="4542685"/>
+            <a:ext cx="1245093" cy="719092"/>
+          </a:xfrm>
+          <a:prstGeom prst="borderCallout1">
+            <a:avLst>
+              <a:gd name="adj1" fmla="val 18750"/>
+              <a:gd name="adj2" fmla="val -8333"/>
+              <a:gd name="adj3" fmla="val -113735"/>
+              <a:gd name="adj4" fmla="val -44044"/>
+            </a:avLst>
+          </a:prstGeom>
+          <a:solidFill>
+            <a:schemeClr val="accent1"/>
+          </a:solidFill>
+        </p:spPr>
+        <p:style>
+          <a:lnRef idx="2">
+            <a:schemeClr val="accent1">
+              <a:shade val="50000"/>
+            </a:schemeClr>
+          </a:lnRef>
+          <a:fillRef idx="1">
+            <a:schemeClr val="accent1"/>
+          </a:fillRef>
+          <a:effectRef idx="0">
+            <a:schemeClr val="accent1"/>
+          </a:effectRef>
+          <a:fontRef idx="minor">
+            <a:schemeClr val="lt1"/>
+          </a:fontRef>
+        </p:style>
+        <p:txBody>
+          <a:bodyPr rtlCol="0" anchor="ctr"/>
+          <a:lstStyle/>
+          <a:p>
+            <a:pPr algn="ctr"/>
+            <a:r>
+              <a:rPr lang="en-US" dirty="0" err="1"/>
+              <a:t>VBox</a:t>
+            </a:r>
+            <a:r>
+              <a:rPr lang="en-US" dirty="0"/>
+              <a:t> </a:t>
+            </a:r>
+          </a:p>
+        </p:txBody>
+      </p:sp>
     </p:spTree>
     <p:extLst>
       <p:ext uri="{BB962C8B-B14F-4D97-AF65-F5344CB8AC3E}">
         <p14:creationId xmlns:p14="http://schemas.microsoft.com/office/powerpoint/2010/main" val="1707855310"/>
+      </p:ext>
+    </p:extLst>
+  </p:cSld>
+  <p:clrMapOvr>
+    <a:masterClrMapping/>
+  </p:clrMapOvr>
+</p:sld>
+</file>
+
+<file path=ppt/slides/slide3.xml><?xml version="1.0" encoding="utf-8"?>
+<p:sld xmlns:a="http://schemas.openxmlformats.org/drawingml/2006/main" xmlns:r="http://schemas.openxmlformats.org/officeDocument/2006/relationships" xmlns:p="http://schemas.openxmlformats.org/presentationml/2006/main">
+  <p:cSld>
+    <p:spTree>
+      <p:nvGrpSpPr>
+        <p:cNvPr id="1" name=""/>
+        <p:cNvGrpSpPr/>
+        <p:nvPr/>
+      </p:nvGrpSpPr>
+      <p:grpSpPr>
+        <a:xfrm>
+          <a:off x="0" y="0"/>
+          <a:ext cx="0" cy="0"/>
+          <a:chOff x="0" y="0"/>
+          <a:chExt cx="0" cy="0"/>
+        </a:xfrm>
+      </p:grpSpPr>
+      <p:pic>
+        <p:nvPicPr>
+          <p:cNvPr id="5" name="Content Placeholder 4">
+            <a:extLst>
+              <a:ext uri="{FF2B5EF4-FFF2-40B4-BE49-F238E27FC236}">
+                <a16:creationId xmlns:a16="http://schemas.microsoft.com/office/drawing/2014/main" id="{6032764B-9C4C-458D-B16D-339B75CE01DC}"/>
+              </a:ext>
+            </a:extLst>
+          </p:cNvPr>
+          <p:cNvPicPr>
+            <a:picLocks noGrp="1" noChangeAspect="1"/>
+          </p:cNvPicPr>
+          <p:nvPr>
+            <p:ph idx="1"/>
+          </p:nvPr>
+        </p:nvPicPr>
+        <p:blipFill>
+          <a:blip r:embed="rId2">
+            <a:extLst>
+              <a:ext uri="{28A0092B-C50C-407E-A947-70E740481C1C}">
+                <a14:useLocalDpi xmlns:a14="http://schemas.microsoft.com/office/drawing/2010/main" val="0"/>
+              </a:ext>
+            </a:extLst>
+          </a:blip>
+          <a:stretch>
+            <a:fillRect/>
+          </a:stretch>
+        </p:blipFill>
+        <p:spPr>
+          <a:xfrm>
+            <a:off x="1174976" y="197528"/>
+            <a:ext cx="9842047" cy="6462944"/>
+          </a:xfrm>
+        </p:spPr>
+      </p:pic>
+      <p:sp>
+        <p:nvSpPr>
+          <p:cNvPr id="6" name="Callout: Line 5">
+            <a:extLst>
+              <a:ext uri="{FF2B5EF4-FFF2-40B4-BE49-F238E27FC236}">
+                <a16:creationId xmlns:a16="http://schemas.microsoft.com/office/drawing/2014/main" id="{6B5A5334-4761-4797-A478-2F6938AB4D31}"/>
+              </a:ext>
+            </a:extLst>
+          </p:cNvPr>
+          <p:cNvSpPr/>
+          <p:nvPr/>
+        </p:nvSpPr>
+        <p:spPr>
+          <a:xfrm>
+            <a:off x="5081726" y="3340223"/>
+            <a:ext cx="1771836" cy="832282"/>
+          </a:xfrm>
+          <a:prstGeom prst="borderCallout1">
+            <a:avLst>
+              <a:gd name="adj1" fmla="val 18750"/>
+              <a:gd name="adj2" fmla="val -8333"/>
+              <a:gd name="adj3" fmla="val 96141"/>
+              <a:gd name="adj4" fmla="val -76130"/>
+            </a:avLst>
+          </a:prstGeom>
+          <a:solidFill>
+            <a:schemeClr val="accent1"/>
+          </a:solidFill>
+        </p:spPr>
+        <p:style>
+          <a:lnRef idx="2">
+            <a:schemeClr val="accent1">
+              <a:shade val="50000"/>
+            </a:schemeClr>
+          </a:lnRef>
+          <a:fillRef idx="1">
+            <a:schemeClr val="accent1"/>
+          </a:fillRef>
+          <a:effectRef idx="0">
+            <a:schemeClr val="accent1"/>
+          </a:effectRef>
+          <a:fontRef idx="minor">
+            <a:schemeClr val="lt1"/>
+          </a:fontRef>
+        </p:style>
+        <p:txBody>
+          <a:bodyPr rtlCol="0" anchor="ctr"/>
+          <a:lstStyle/>
+          <a:p>
+            <a:pPr algn="ctr"/>
+            <a:r>
+              <a:rPr lang="en-US" sz="1200" dirty="0"/>
+              <a:t>How to display appointments with overlapped time between grids? </a:t>
+            </a:r>
+          </a:p>
+        </p:txBody>
+      </p:sp>
+    </p:spTree>
+    <p:extLst>
+      <p:ext uri="{BB962C8B-B14F-4D97-AF65-F5344CB8AC3E}">
+        <p14:creationId xmlns:p14="http://schemas.microsoft.com/office/powerpoint/2010/main" val="3837525240"/>
+      </p:ext>
+    </p:extLst>
+  </p:cSld>
+  <p:clrMapOvr>
+    <a:masterClrMapping/>
+  </p:clrMapOvr>
+</p:sld>
+</file>
+
+<file path=ppt/slides/slide4.xml><?xml version="1.0" encoding="utf-8"?>
+<p:sld xmlns:a="http://schemas.openxmlformats.org/drawingml/2006/main" xmlns:r="http://schemas.openxmlformats.org/officeDocument/2006/relationships" xmlns:p="http://schemas.openxmlformats.org/presentationml/2006/main">
+  <p:cSld>
+    <p:spTree>
+      <p:nvGrpSpPr>
+        <p:cNvPr id="1" name=""/>
+        <p:cNvGrpSpPr/>
+        <p:nvPr/>
+      </p:nvGrpSpPr>
+      <p:grpSpPr>
+        <a:xfrm>
+          <a:off x="0" y="0"/>
+          <a:ext cx="0" cy="0"/>
+          <a:chOff x="0" y="0"/>
+          <a:chExt cx="0" cy="0"/>
+        </a:xfrm>
+      </p:grpSpPr>
+      <p:pic>
+        <p:nvPicPr>
+          <p:cNvPr id="9" name="Content Placeholder 8">
+            <a:extLst>
+              <a:ext uri="{FF2B5EF4-FFF2-40B4-BE49-F238E27FC236}">
+                <a16:creationId xmlns:a16="http://schemas.microsoft.com/office/drawing/2014/main" id="{A0AC9183-91C3-4DE5-85D9-869BEBBCB7E2}"/>
+              </a:ext>
+            </a:extLst>
+          </p:cNvPr>
+          <p:cNvPicPr>
+            <a:picLocks noGrp="1" noChangeAspect="1"/>
+          </p:cNvPicPr>
+          <p:nvPr>
+            <p:ph idx="1"/>
+          </p:nvPr>
+        </p:nvPicPr>
+        <p:blipFill>
+          <a:blip r:embed="rId2">
+            <a:extLst>
+              <a:ext uri="{28A0092B-C50C-407E-A947-70E740481C1C}">
+                <a14:useLocalDpi xmlns:a14="http://schemas.microsoft.com/office/drawing/2010/main" val="0"/>
+              </a:ext>
+            </a:extLst>
+          </a:blip>
+          <a:stretch>
+            <a:fillRect/>
+          </a:stretch>
+        </p:blipFill>
+        <p:spPr>
+          <a:xfrm>
+            <a:off x="1434171" y="221942"/>
+            <a:ext cx="8322387" cy="6430935"/>
+          </a:xfrm>
+        </p:spPr>
+      </p:pic>
+      <p:sp>
+        <p:nvSpPr>
+          <p:cNvPr id="14" name="Rectangle: Rounded Corners 13">
+            <a:extLst>
+              <a:ext uri="{FF2B5EF4-FFF2-40B4-BE49-F238E27FC236}">
+                <a16:creationId xmlns:a16="http://schemas.microsoft.com/office/drawing/2014/main" id="{7B9AC15B-23EC-4938-A39C-D6B4D682E55C}"/>
+              </a:ext>
+            </a:extLst>
+          </p:cNvPr>
+          <p:cNvSpPr/>
+          <p:nvPr/>
+        </p:nvSpPr>
+        <p:spPr>
+          <a:xfrm>
+            <a:off x="4572000" y="3142694"/>
+            <a:ext cx="2299317" cy="896645"/>
+          </a:xfrm>
+          <a:prstGeom prst="roundRect">
+            <a:avLst/>
+          </a:prstGeom>
+        </p:spPr>
+        <p:style>
+          <a:lnRef idx="2">
+            <a:schemeClr val="accent1">
+              <a:shade val="50000"/>
+            </a:schemeClr>
+          </a:lnRef>
+          <a:fillRef idx="1">
+            <a:schemeClr val="accent1"/>
+          </a:fillRef>
+          <a:effectRef idx="0">
+            <a:schemeClr val="accent1"/>
+          </a:effectRef>
+          <a:fontRef idx="minor">
+            <a:schemeClr val="lt1"/>
+          </a:fontRef>
+        </p:style>
+        <p:txBody>
+          <a:bodyPr rtlCol="0" anchor="ctr"/>
+          <a:lstStyle/>
+          <a:p>
+            <a:pPr algn="ctr"/>
+            <a:r>
+              <a:rPr lang="en-US" sz="1200" dirty="0"/>
+              <a:t>Conditional formatting to highlight nonconforming data</a:t>
+            </a:r>
+          </a:p>
+        </p:txBody>
+      </p:sp>
+      <p:cxnSp>
+        <p:nvCxnSpPr>
+          <p:cNvPr id="20" name="Straight Arrow Connector 19">
+            <a:extLst>
+              <a:ext uri="{FF2B5EF4-FFF2-40B4-BE49-F238E27FC236}">
+                <a16:creationId xmlns:a16="http://schemas.microsoft.com/office/drawing/2014/main" id="{FC6A6123-E60F-4602-8A8E-2E7F350E75BB}"/>
+              </a:ext>
+            </a:extLst>
+          </p:cNvPr>
+          <p:cNvCxnSpPr>
+            <a:cxnSpLocks/>
+            <a:stCxn id="14" idx="1"/>
+          </p:cNvCxnSpPr>
+          <p:nvPr/>
+        </p:nvCxnSpPr>
+        <p:spPr>
+          <a:xfrm flipH="1">
+            <a:off x="3559946" y="3591017"/>
+            <a:ext cx="1012054" cy="519344"/>
+          </a:xfrm>
+          <a:prstGeom prst="straightConnector1">
+            <a:avLst/>
+          </a:prstGeom>
+          <a:ln>
+            <a:tailEnd type="triangle"/>
+          </a:ln>
+        </p:spPr>
+        <p:style>
+          <a:lnRef idx="1">
+            <a:schemeClr val="accent1"/>
+          </a:lnRef>
+          <a:fillRef idx="0">
+            <a:schemeClr val="accent1"/>
+          </a:fillRef>
+          <a:effectRef idx="0">
+            <a:schemeClr val="accent1"/>
+          </a:effectRef>
+          <a:fontRef idx="minor">
+            <a:schemeClr val="tx1"/>
+          </a:fontRef>
+        </p:style>
+      </p:cxnSp>
+    </p:spTree>
+    <p:extLst>
+      <p:ext uri="{BB962C8B-B14F-4D97-AF65-F5344CB8AC3E}">
+        <p14:creationId xmlns:p14="http://schemas.microsoft.com/office/powerpoint/2010/main" val="661750608"/>
+      </p:ext>
+    </p:extLst>
+  </p:cSld>
+  <p:clrMapOvr>
+    <a:masterClrMapping/>
+  </p:clrMapOvr>
+</p:sld>
+</file>
+
+<file path=ppt/slides/slide5.xml><?xml version="1.0" encoding="utf-8"?>
+<p:sld xmlns:a="http://schemas.openxmlformats.org/drawingml/2006/main" xmlns:r="http://schemas.openxmlformats.org/officeDocument/2006/relationships" xmlns:p="http://schemas.openxmlformats.org/presentationml/2006/main">
+  <p:cSld>
+    <p:spTree>
+      <p:nvGrpSpPr>
+        <p:cNvPr id="1" name=""/>
+        <p:cNvGrpSpPr/>
+        <p:nvPr/>
+      </p:nvGrpSpPr>
+      <p:grpSpPr>
+        <a:xfrm>
+          <a:off x="0" y="0"/>
+          <a:ext cx="0" cy="0"/>
+          <a:chOff x="0" y="0"/>
+          <a:chExt cx="0" cy="0"/>
+        </a:xfrm>
+      </p:grpSpPr>
+      <p:pic>
+        <p:nvPicPr>
+          <p:cNvPr id="5" name="Content Placeholder 4">
+            <a:extLst>
+              <a:ext uri="{FF2B5EF4-FFF2-40B4-BE49-F238E27FC236}">
+                <a16:creationId xmlns:a16="http://schemas.microsoft.com/office/drawing/2014/main" id="{1826611B-6BD0-4583-9DCE-BA984DA5FAA6}"/>
+              </a:ext>
+            </a:extLst>
+          </p:cNvPr>
+          <p:cNvPicPr>
+            <a:picLocks noGrp="1" noChangeAspect="1"/>
+          </p:cNvPicPr>
+          <p:nvPr>
+            <p:ph idx="1"/>
+          </p:nvPr>
+        </p:nvPicPr>
+        <p:blipFill>
+          <a:blip r:embed="rId2">
+            <a:extLst>
+              <a:ext uri="{28A0092B-C50C-407E-A947-70E740481C1C}">
+                <a14:useLocalDpi xmlns:a14="http://schemas.microsoft.com/office/drawing/2010/main" val="0"/>
+              </a:ext>
+            </a:extLst>
+          </a:blip>
+          <a:stretch>
+            <a:fillRect/>
+          </a:stretch>
+        </p:blipFill>
+        <p:spPr>
+          <a:xfrm>
+            <a:off x="3348752" y="2019922"/>
+            <a:ext cx="5494496" cy="3962743"/>
+          </a:xfrm>
+        </p:spPr>
+      </p:pic>
+      <p:sp>
+        <p:nvSpPr>
+          <p:cNvPr id="6" name="Rectangle: Rounded Corners 5">
+            <a:extLst>
+              <a:ext uri="{FF2B5EF4-FFF2-40B4-BE49-F238E27FC236}">
+                <a16:creationId xmlns:a16="http://schemas.microsoft.com/office/drawing/2014/main" id="{B1B0AACA-F788-45AD-A2FD-B3CBC3A41B2F}"/>
+              </a:ext>
+            </a:extLst>
+          </p:cNvPr>
+          <p:cNvSpPr/>
+          <p:nvPr/>
+        </p:nvSpPr>
+        <p:spPr>
+          <a:xfrm>
+            <a:off x="5699464" y="1976420"/>
+            <a:ext cx="3187084" cy="3962742"/>
+          </a:xfrm>
+          <a:prstGeom prst="roundRect">
+            <a:avLst/>
+          </a:prstGeom>
+          <a:noFill/>
+          <a:ln w="28575"/>
+        </p:spPr>
+        <p:style>
+          <a:lnRef idx="2">
+            <a:schemeClr val="accent1">
+              <a:shade val="50000"/>
+            </a:schemeClr>
+          </a:lnRef>
+          <a:fillRef idx="1">
+            <a:schemeClr val="accent1"/>
+          </a:fillRef>
+          <a:effectRef idx="0">
+            <a:schemeClr val="accent1"/>
+          </a:effectRef>
+          <a:fontRef idx="minor">
+            <a:schemeClr val="lt1"/>
+          </a:fontRef>
+        </p:style>
+        <p:txBody>
+          <a:bodyPr rtlCol="0" anchor="ctr"/>
+          <a:lstStyle/>
+          <a:p>
+            <a:pPr algn="ctr"/>
+            <a:endParaRPr lang="en-US"/>
+          </a:p>
+        </p:txBody>
+      </p:sp>
+      <p:sp>
+        <p:nvSpPr>
+          <p:cNvPr id="7" name="Rectangle: Rounded Corners 6">
+            <a:extLst>
+              <a:ext uri="{FF2B5EF4-FFF2-40B4-BE49-F238E27FC236}">
+                <a16:creationId xmlns:a16="http://schemas.microsoft.com/office/drawing/2014/main" id="{48967984-31E2-48D3-AF18-C90AAD99547F}"/>
+              </a:ext>
+            </a:extLst>
+          </p:cNvPr>
+          <p:cNvSpPr/>
+          <p:nvPr/>
+        </p:nvSpPr>
+        <p:spPr>
+          <a:xfrm>
+            <a:off x="9215021" y="2299315"/>
+            <a:ext cx="2299317" cy="896645"/>
+          </a:xfrm>
+          <a:prstGeom prst="roundRect">
+            <a:avLst/>
+          </a:prstGeom>
+        </p:spPr>
+        <p:style>
+          <a:lnRef idx="2">
+            <a:schemeClr val="accent1">
+              <a:shade val="50000"/>
+            </a:schemeClr>
+          </a:lnRef>
+          <a:fillRef idx="1">
+            <a:schemeClr val="accent1"/>
+          </a:fillRef>
+          <a:effectRef idx="0">
+            <a:schemeClr val="accent1"/>
+          </a:effectRef>
+          <a:fontRef idx="minor">
+            <a:schemeClr val="lt1"/>
+          </a:fontRef>
+        </p:style>
+        <p:txBody>
+          <a:bodyPr rtlCol="0" anchor="ctr"/>
+          <a:lstStyle/>
+          <a:p>
+            <a:pPr algn="ctr"/>
+            <a:r>
+              <a:rPr lang="en-US" sz="1200" dirty="0"/>
+              <a:t>Additional columns</a:t>
+            </a:r>
+          </a:p>
+        </p:txBody>
+      </p:sp>
+      <p:cxnSp>
+        <p:nvCxnSpPr>
+          <p:cNvPr id="8" name="Straight Arrow Connector 7">
+            <a:extLst>
+              <a:ext uri="{FF2B5EF4-FFF2-40B4-BE49-F238E27FC236}">
+                <a16:creationId xmlns:a16="http://schemas.microsoft.com/office/drawing/2014/main" id="{7E833B20-DBD7-43A3-BCA3-2B7FDB047AB6}"/>
+              </a:ext>
+            </a:extLst>
+          </p:cNvPr>
+          <p:cNvCxnSpPr>
+            <a:cxnSpLocks/>
+            <a:stCxn id="7" idx="1"/>
+          </p:cNvCxnSpPr>
+          <p:nvPr/>
+        </p:nvCxnSpPr>
+        <p:spPr>
+          <a:xfrm flipH="1">
+            <a:off x="8424909" y="2747638"/>
+            <a:ext cx="790112" cy="681362"/>
+          </a:xfrm>
+          <a:prstGeom prst="straightConnector1">
+            <a:avLst/>
+          </a:prstGeom>
+          <a:ln>
+            <a:tailEnd type="triangle"/>
+          </a:ln>
+        </p:spPr>
+        <p:style>
+          <a:lnRef idx="1">
+            <a:schemeClr val="accent1"/>
+          </a:lnRef>
+          <a:fillRef idx="0">
+            <a:schemeClr val="accent1"/>
+          </a:fillRef>
+          <a:effectRef idx="0">
+            <a:schemeClr val="accent1"/>
+          </a:effectRef>
+          <a:fontRef idx="minor">
+            <a:schemeClr val="tx1"/>
+          </a:fontRef>
+        </p:style>
+      </p:cxnSp>
+    </p:spTree>
+    <p:extLst>
+      <p:ext uri="{BB962C8B-B14F-4D97-AF65-F5344CB8AC3E}">
+        <p14:creationId xmlns:p14="http://schemas.microsoft.com/office/powerpoint/2010/main" val="2472407238"/>
       </p:ext>
     </p:extLst>
   </p:cSld>
